--- a/documents/Report.pptx
+++ b/documents/Report.pptx
@@ -109,6 +109,11 @@
       </a:defRPr>
     </a:lvl9pPr>
   </p:defaultTextStyle>
+  <p:extLst>
+    <p:ext uri="{EFAFB233-063F-42B5-8137-9DF3F51BA10A}">
+      <p15:sldGuideLst xmlns:p15="http://schemas.microsoft.com/office/powerpoint/2012/main"/>
+    </p:ext>
+  </p:extLst>
 </p:presentation>
 </file>
 
@@ -259,7 +264,7 @@
           <a:p>
             <a:fld id="{710A066E-45B9-443D-B7BB-B4F78428B5D7}" type="datetimeFigureOut">
               <a:rPr lang="en-US" smtClean="0"/>
-              <a:t>11/21/2019</a:t>
+              <a:t>11/26/2019</a:t>
             </a:fld>
             <a:endParaRPr lang="en-US"/>
           </a:p>
@@ -457,7 +462,7 @@
           <a:p>
             <a:fld id="{710A066E-45B9-443D-B7BB-B4F78428B5D7}" type="datetimeFigureOut">
               <a:rPr lang="en-US" smtClean="0"/>
-              <a:t>11/21/2019</a:t>
+              <a:t>11/26/2019</a:t>
             </a:fld>
             <a:endParaRPr lang="en-US"/>
           </a:p>
@@ -665,7 +670,7 @@
           <a:p>
             <a:fld id="{710A066E-45B9-443D-B7BB-B4F78428B5D7}" type="datetimeFigureOut">
               <a:rPr lang="en-US" smtClean="0"/>
-              <a:t>11/21/2019</a:t>
+              <a:t>11/26/2019</a:t>
             </a:fld>
             <a:endParaRPr lang="en-US"/>
           </a:p>
@@ -863,7 +868,7 @@
           <a:p>
             <a:fld id="{710A066E-45B9-443D-B7BB-B4F78428B5D7}" type="datetimeFigureOut">
               <a:rPr lang="en-US" smtClean="0"/>
-              <a:t>11/21/2019</a:t>
+              <a:t>11/26/2019</a:t>
             </a:fld>
             <a:endParaRPr lang="en-US"/>
           </a:p>
@@ -1138,7 +1143,7 @@
           <a:p>
             <a:fld id="{710A066E-45B9-443D-B7BB-B4F78428B5D7}" type="datetimeFigureOut">
               <a:rPr lang="en-US" smtClean="0"/>
-              <a:t>11/21/2019</a:t>
+              <a:t>11/26/2019</a:t>
             </a:fld>
             <a:endParaRPr lang="en-US"/>
           </a:p>
@@ -1403,7 +1408,7 @@
           <a:p>
             <a:fld id="{710A066E-45B9-443D-B7BB-B4F78428B5D7}" type="datetimeFigureOut">
               <a:rPr lang="en-US" smtClean="0"/>
-              <a:t>11/21/2019</a:t>
+              <a:t>11/26/2019</a:t>
             </a:fld>
             <a:endParaRPr lang="en-US"/>
           </a:p>
@@ -1815,7 +1820,7 @@
           <a:p>
             <a:fld id="{710A066E-45B9-443D-B7BB-B4F78428B5D7}" type="datetimeFigureOut">
               <a:rPr lang="en-US" smtClean="0"/>
-              <a:t>11/21/2019</a:t>
+              <a:t>11/26/2019</a:t>
             </a:fld>
             <a:endParaRPr lang="en-US"/>
           </a:p>
@@ -1956,7 +1961,7 @@
           <a:p>
             <a:fld id="{710A066E-45B9-443D-B7BB-B4F78428B5D7}" type="datetimeFigureOut">
               <a:rPr lang="en-US" smtClean="0"/>
-              <a:t>11/21/2019</a:t>
+              <a:t>11/26/2019</a:t>
             </a:fld>
             <a:endParaRPr lang="en-US"/>
           </a:p>
@@ -2069,7 +2074,7 @@
           <a:p>
             <a:fld id="{710A066E-45B9-443D-B7BB-B4F78428B5D7}" type="datetimeFigureOut">
               <a:rPr lang="en-US" smtClean="0"/>
-              <a:t>11/21/2019</a:t>
+              <a:t>11/26/2019</a:t>
             </a:fld>
             <a:endParaRPr lang="en-US"/>
           </a:p>
@@ -2380,7 +2385,7 @@
           <a:p>
             <a:fld id="{710A066E-45B9-443D-B7BB-B4F78428B5D7}" type="datetimeFigureOut">
               <a:rPr lang="en-US" smtClean="0"/>
-              <a:t>11/21/2019</a:t>
+              <a:t>11/26/2019</a:t>
             </a:fld>
             <a:endParaRPr lang="en-US"/>
           </a:p>
@@ -2668,7 +2673,7 @@
           <a:p>
             <a:fld id="{710A066E-45B9-443D-B7BB-B4F78428B5D7}" type="datetimeFigureOut">
               <a:rPr lang="en-US" smtClean="0"/>
-              <a:t>11/21/2019</a:t>
+              <a:t>11/26/2019</a:t>
             </a:fld>
             <a:endParaRPr lang="en-US"/>
           </a:p>
@@ -2909,7 +2914,7 @@
           <a:p>
             <a:fld id="{710A066E-45B9-443D-B7BB-B4F78428B5D7}" type="datetimeFigureOut">
               <a:rPr lang="en-US" smtClean="0"/>
-              <a:t>11/21/2019</a:t>
+              <a:t>11/26/2019</a:t>
             </a:fld>
             <a:endParaRPr lang="en-US"/>
           </a:p>
@@ -6659,7 +6664,7 @@
           <a:p>
             <a:r>
               <a:rPr lang="en-US" dirty="0"/>
-              <a:t>Regression Analysis (TV is continuous- Appliances)</a:t>
+              <a:t>Regression Analysis (TV “Appliances” is continuous)</a:t>
             </a:r>
           </a:p>
           <a:p>
@@ -6671,7 +6676,7 @@
           <a:p>
             <a:r>
               <a:rPr lang="en-US" dirty="0"/>
-              <a:t>Deep Learning – Recurrent Neural Network (Timestamp &amp; TV in dataset)</a:t>
+              <a:t>Deep Learning – Recurrent Neural Network (Timestamp &amp; Continuous TV in dataset)</a:t>
             </a:r>
           </a:p>
         </p:txBody>
@@ -6752,7 +6757,9 @@
         </p:nvSpPr>
         <p:spPr/>
         <p:txBody>
-          <a:bodyPr/>
+          <a:bodyPr>
+            <a:normAutofit lnSpcReduction="10000"/>
+          </a:bodyPr>
           <a:lstStyle/>
           <a:p>
             <a:r>
@@ -6763,26 +6770,65 @@
           <a:p>
             <a:r>
               <a:rPr lang="en-US" dirty="0"/>
+              <a:t>19735 observations and 32 features</a:t>
+            </a:r>
+          </a:p>
+          <a:p>
+            <a:r>
+              <a:rPr lang="en-US" dirty="0"/>
               <a:t>“lights” energy usage have Zero in 15,252 out of 19,735 observations</a:t>
             </a:r>
           </a:p>
           <a:p>
             <a:r>
               <a:rPr lang="en-US" dirty="0"/>
-              <a:t>“Appliances” energy usage have outliers from value 200 till 1080</a:t>
+              <a:t>“rv1” is duplicate of “rv2” (correlation is 1 between them)</a:t>
             </a:r>
           </a:p>
           <a:p>
             <a:r>
               <a:rPr lang="en-US" dirty="0"/>
-              <a:t>“Appliances” data is skewed to right (Positive skewness) and leptokurtic (kurtosis &lt; 3)</a:t>
+              <a:t>Data is non-linear</a:t>
             </a:r>
           </a:p>
           <a:p>
             <a:r>
               <a:rPr lang="en-US" dirty="0"/>
-              <a:t>“rv1” is duplicate of “rv2”</a:t>
-            </a:r>
+              <a:t>Strong correlation with TV “Appliances”:</a:t>
+            </a:r>
+          </a:p>
+          <a:p>
+            <a:pPr lvl="1"/>
+            <a:r>
+              <a:rPr lang="en-US" dirty="0"/>
+              <a:t>NSM(time) shows 0.2172</a:t>
+            </a:r>
+          </a:p>
+          <a:p>
+            <a:pPr lvl="1"/>
+            <a:r>
+              <a:rPr lang="en-US" dirty="0"/>
+              <a:t>Lights energy usage shows 0.1973</a:t>
+            </a:r>
+          </a:p>
+          <a:p>
+            <a:pPr lvl="1"/>
+            <a:r>
+              <a:rPr lang="en-US" dirty="0"/>
+              <a:t>Humidity outside airport shows -0.1523</a:t>
+            </a:r>
+          </a:p>
+          <a:p>
+            <a:pPr lvl="1"/>
+            <a:r>
+              <a:rPr lang="en-US" dirty="0"/>
+              <a:t>Temperature in living room – 0.1201 &amp; </a:t>
+            </a:r>
+            <a:r>
+              <a:rPr lang="en-US"/>
+              <a:t>outside house – 0.1176</a:t>
+            </a:r>
+            <a:endParaRPr lang="en-US" dirty="0"/>
           </a:p>
           <a:p>
             <a:endParaRPr lang="en-US" dirty="0"/>
